--- a/tirgul/Install MongoDB.pptx
+++ b/tirgul/Install MongoDB.pptx
@@ -108,6 +108,11 @@
       </a:defRPr>
     </a:lvl9pPr>
   </p:defaultTextStyle>
+  <p:extLst>
+    <p:ext uri="{EFAFB233-063F-42B5-8137-9DF3F51BA10A}">
+      <p15:sldGuideLst xmlns:p15="http://schemas.microsoft.com/office/powerpoint/2012/main"/>
+    </p:ext>
+  </p:extLst>
 </p:presentation>
 </file>
 
@@ -3020,6 +3025,13 @@
   <p:clrMapOvr>
     <a:masterClrMapping/>
   </p:clrMapOvr>
+  <p:timing>
+    <p:tnLst>
+      <p:par>
+        <p:cTn id="1" dur="indefinite" restart="never" nodeType="tmRoot"/>
+      </p:par>
+    </p:tnLst>
+  </p:timing>
 </p:sld>
 </file>
 
@@ -3095,7 +3107,19 @@
           <a:p>
             <a:r>
               <a:rPr lang="en-US" dirty="0" smtClean="0"/>
-              <a:t>Download “Windows 64bit 2008 R2” file</a:t>
+              <a:t>Download “Windows 64bit </a:t>
+            </a:r>
+            <a:r>
+              <a:rPr lang="en-US" smtClean="0"/>
+              <a:t>2008 </a:t>
+            </a:r>
+            <a:r>
+              <a:rPr lang="en-US" smtClean="0"/>
+              <a:t>R2+” </a:t>
+            </a:r>
+            <a:r>
+              <a:rPr lang="en-US" dirty="0" smtClean="0"/>
+              <a:t>file</a:t>
             </a:r>
           </a:p>
           <a:p>
@@ -3179,6 +3203,13 @@
   <p:clrMapOvr>
     <a:masterClrMapping/>
   </p:clrMapOvr>
+  <p:timing>
+    <p:tnLst>
+      <p:par>
+        <p:cTn id="1" dur="indefinite" restart="never" nodeType="tmRoot"/>
+      </p:par>
+    </p:tnLst>
+  </p:timing>
 </p:sld>
 </file>
 

--- a/tirgul/Install MongoDB.pptx
+++ b/tirgul/Install MongoDB.pptx
@@ -7,8 +7,8 @@
   <p:sldIdLst>
     <p:sldId id="256" r:id="rId2"/>
     <p:sldId id="257" r:id="rId3"/>
-    <p:sldId id="258" r:id="rId4"/>
-    <p:sldId id="259" r:id="rId5"/>
+    <p:sldId id="259" r:id="rId4"/>
+    <p:sldId id="258" r:id="rId5"/>
     <p:sldId id="260" r:id="rId6"/>
   </p:sldIdLst>
   <p:sldSz cx="12192000" cy="6858000"/>
@@ -3107,14 +3107,10 @@
           <a:p>
             <a:r>
               <a:rPr lang="en-US" dirty="0" smtClean="0"/>
-              <a:t>Download “Windows 64bit </a:t>
-            </a:r>
-            <a:r>
-              <a:rPr lang="en-US" smtClean="0"/>
-              <a:t>2008 </a:t>
-            </a:r>
-            <a:r>
-              <a:rPr lang="en-US" smtClean="0"/>
+              <a:t>Download “Windows 64bit 2008 </a:t>
+            </a:r>
+            <a:r>
+              <a:rPr lang="en-US" dirty="0" smtClean="0"/>
               <a:t>R2+” </a:t>
             </a:r>
             <a:r>
@@ -3247,7 +3243,7 @@
           <a:p>
             <a:r>
               <a:rPr lang="en-US" dirty="0" smtClean="0"/>
-              <a:t>Test if MongoDB works</a:t>
+              <a:t>Set DB</a:t>
             </a:r>
             <a:endParaRPr lang="he-IL" dirty="0"/>
           </a:p>
@@ -3270,47 +3266,68 @@
           <a:p>
             <a:r>
               <a:rPr lang="en-US" dirty="0" smtClean="0"/>
-              <a:t>Open CMD</a:t>
-            </a:r>
-          </a:p>
-          <a:p>
-            <a:r>
-              <a:rPr lang="en-US" dirty="0" smtClean="0"/>
-              <a:t>Type “</a:t>
-            </a:r>
+              <a:t>Create database folder</a:t>
+            </a:r>
+          </a:p>
+          <a:p>
+            <a:pPr lvl="1"/>
+            <a:r>
+              <a:rPr lang="en-US" dirty="0" smtClean="0"/>
+              <a:t>md \data\</a:t>
+            </a:r>
+            <a:r>
+              <a:rPr lang="en-US" dirty="0" err="1" smtClean="0"/>
+              <a:t>db</a:t>
+            </a:r>
+            <a:endParaRPr lang="en-US" dirty="0" smtClean="0"/>
+          </a:p>
+          <a:p>
+            <a:r>
+              <a:rPr lang="en-US" dirty="0" smtClean="0"/>
+              <a:t>run mongo on that folder</a:t>
+            </a:r>
+          </a:p>
+          <a:p>
+            <a:pPr lvl="1"/>
             <a:r>
               <a:rPr lang="en-US" dirty="0" err="1" smtClean="0"/>
               <a:t>mongod</a:t>
             </a:r>
-            <a:r>
-              <a:rPr lang="en-US" dirty="0" smtClean="0"/>
-              <a:t>”</a:t>
-            </a:r>
-          </a:p>
-          <a:p>
-            <a:r>
-              <a:rPr lang="en-US" dirty="0" smtClean="0"/>
-              <a:t>If it logs out prints</a:t>
+            <a:endParaRPr lang="en-US" dirty="0" smtClean="0"/>
+          </a:p>
+          <a:p>
+            <a:r>
+              <a:rPr lang="en-US" dirty="0" smtClean="0"/>
+              <a:t>Connect to that </a:t>
+            </a:r>
+            <a:r>
+              <a:rPr lang="en-US" dirty="0" err="1" smtClean="0"/>
+              <a:t>db</a:t>
+            </a:r>
+            <a:r>
+              <a:rPr lang="en-US" dirty="0" smtClean="0"/>
+              <a:t> in a new CMD</a:t>
             </a:r>
           </a:p>
           <a:p>
             <a:pPr lvl="1"/>
             <a:r>
               <a:rPr lang="en-US" dirty="0" smtClean="0"/>
-              <a:t>Open another CMD</a:t>
-            </a:r>
-          </a:p>
-          <a:p>
-            <a:pPr lvl="1"/>
-            <a:r>
-              <a:rPr lang="en-US" dirty="0" smtClean="0"/>
-              <a:t>Type “mongo” to enter mongo shell</a:t>
-            </a:r>
-          </a:p>
-          <a:p>
-            <a:r>
-              <a:rPr lang="en-US" dirty="0" smtClean="0"/>
-              <a:t>If it gives an error you’ve done the last page wrong</a:t>
+              <a:t>mongo</a:t>
+            </a:r>
+          </a:p>
+          <a:p>
+            <a:r>
+              <a:rPr lang="en-US" dirty="0" smtClean="0"/>
+              <a:t>Start playing with </a:t>
+            </a:r>
+            <a:r>
+              <a:rPr lang="en-US" dirty="0" err="1" smtClean="0"/>
+              <a:t>mongoDB</a:t>
+            </a:r>
+            <a:r>
+              <a:rPr lang="en-US" dirty="0" smtClean="0"/>
+              <a:t>!</a:t>
             </a:r>
           </a:p>
         </p:txBody>
@@ -3318,7 +3335,7 @@
     </p:spTree>
     <p:extLst>
       <p:ext uri="{BB962C8B-B14F-4D97-AF65-F5344CB8AC3E}">
-        <p14:creationId xmlns:p14="http://schemas.microsoft.com/office/powerpoint/2010/main" val="924828234"/>
+        <p14:creationId xmlns:p14="http://schemas.microsoft.com/office/powerpoint/2010/main" val="2757973470"/>
       </p:ext>
     </p:extLst>
   </p:cSld>
@@ -3362,7 +3379,7 @@
           <a:p>
             <a:r>
               <a:rPr lang="en-US" dirty="0" smtClean="0"/>
-              <a:t>Set DB</a:t>
+              <a:t>Test if MongoDB works</a:t>
             </a:r>
             <a:endParaRPr lang="he-IL" dirty="0"/>
           </a:p>
@@ -3385,68 +3402,47 @@
           <a:p>
             <a:r>
               <a:rPr lang="en-US" dirty="0" smtClean="0"/>
-              <a:t>Create database folder</a:t>
-            </a:r>
-          </a:p>
-          <a:p>
-            <a:pPr lvl="1"/>
-            <a:r>
-              <a:rPr lang="en-US" dirty="0" smtClean="0"/>
-              <a:t>md \data\</a:t>
-            </a:r>
-            <a:r>
-              <a:rPr lang="en-US" dirty="0" err="1" smtClean="0"/>
-              <a:t>db</a:t>
-            </a:r>
-            <a:endParaRPr lang="en-US" dirty="0" smtClean="0"/>
-          </a:p>
-          <a:p>
-            <a:r>
-              <a:rPr lang="en-US" dirty="0" smtClean="0"/>
-              <a:t>run mongo on that folder</a:t>
-            </a:r>
-          </a:p>
-          <a:p>
-            <a:pPr lvl="1"/>
+              <a:t>Open CMD</a:t>
+            </a:r>
+          </a:p>
+          <a:p>
+            <a:r>
+              <a:rPr lang="en-US" dirty="0" smtClean="0"/>
+              <a:t>Type “</a:t>
+            </a:r>
             <a:r>
               <a:rPr lang="en-US" dirty="0" err="1" smtClean="0"/>
               <a:t>mongod</a:t>
             </a:r>
-            <a:endParaRPr lang="en-US" dirty="0" smtClean="0"/>
-          </a:p>
-          <a:p>
-            <a:r>
-              <a:rPr lang="en-US" dirty="0" smtClean="0"/>
-              <a:t>Connect to that </a:t>
-            </a:r>
-            <a:r>
-              <a:rPr lang="en-US" dirty="0" err="1" smtClean="0"/>
-              <a:t>db</a:t>
-            </a:r>
-            <a:r>
-              <a:rPr lang="en-US" dirty="0" smtClean="0"/>
-              <a:t> in a new CMD</a:t>
+            <a:r>
+              <a:rPr lang="en-US" dirty="0" smtClean="0"/>
+              <a:t>”</a:t>
+            </a:r>
+          </a:p>
+          <a:p>
+            <a:r>
+              <a:rPr lang="en-US" dirty="0" smtClean="0"/>
+              <a:t>If it logs out prints</a:t>
             </a:r>
           </a:p>
           <a:p>
             <a:pPr lvl="1"/>
             <a:r>
               <a:rPr lang="en-US" dirty="0" smtClean="0"/>
-              <a:t>mongo</a:t>
-            </a:r>
-          </a:p>
-          <a:p>
-            <a:r>
-              <a:rPr lang="en-US" dirty="0" smtClean="0"/>
-              <a:t>Start playing with </a:t>
-            </a:r>
-            <a:r>
-              <a:rPr lang="en-US" dirty="0" err="1" smtClean="0"/>
-              <a:t>mongoDB</a:t>
-            </a:r>
-            <a:r>
-              <a:rPr lang="en-US" dirty="0" smtClean="0"/>
-              <a:t>!</a:t>
+              <a:t>Open another CMD</a:t>
+            </a:r>
+          </a:p>
+          <a:p>
+            <a:pPr lvl="1"/>
+            <a:r>
+              <a:rPr lang="en-US" dirty="0" smtClean="0"/>
+              <a:t>Type “mongo” to enter mongo shell</a:t>
+            </a:r>
+          </a:p>
+          <a:p>
+            <a:r>
+              <a:rPr lang="en-US" dirty="0" smtClean="0"/>
+              <a:t>If it gives an error you’ve done the last page wrong</a:t>
             </a:r>
           </a:p>
         </p:txBody>
@@ -3454,7 +3450,7 @@
     </p:spTree>
     <p:extLst>
       <p:ext uri="{BB962C8B-B14F-4D97-AF65-F5344CB8AC3E}">
-        <p14:creationId xmlns:p14="http://schemas.microsoft.com/office/powerpoint/2010/main" val="2757973470"/>
+        <p14:creationId xmlns:p14="http://schemas.microsoft.com/office/powerpoint/2010/main" val="924828234"/>
       </p:ext>
     </p:extLst>
   </p:cSld>
